--- a/VietNamese Publish Paper/Báo cáo/QLNC.QT06.BM17 poster Hoi Nghi SVNCKH 2021_template ppt.pptx
+++ b/VietNamese Publish Paper/Báo cáo/QLNC.QT06.BM17 poster Hoi Nghi SVNCKH 2021_template ppt.pptx
@@ -2466,7 +2466,7 @@
           <a:p>
             <a:fld id="{1D8BD707-D9CF-40AE-B4C6-C98DA3205C09}" type="datetimeFigureOut">
               <a:rPr lang="en-US"/>
-              <a:t>6/1/2022</a:t>
+              <a:t>6/5/2022</a:t>
             </a:fld>
             <a:endParaRPr lang="en-US"/>
           </a:p>
@@ -2631,7 +2631,7 @@
           <a:p>
             <a:fld id="{1D8BD707-D9CF-40AE-B4C6-C98DA3205C09}" type="datetimeFigureOut">
               <a:rPr lang="en-US"/>
-              <a:t>6/1/2022</a:t>
+              <a:t>6/5/2022</a:t>
             </a:fld>
             <a:endParaRPr lang="en-US"/>
           </a:p>
@@ -2839,7 +2839,7 @@
           <a:p>
             <a:fld id="{1D8BD707-D9CF-40AE-B4C6-C98DA3205C09}" type="datetimeFigureOut">
               <a:rPr lang="en-US"/>
-              <a:t>6/1/2022</a:t>
+              <a:t>6/5/2022</a:t>
             </a:fld>
             <a:endParaRPr lang="en-US"/>
           </a:p>
@@ -2981,7 +2981,7 @@
           <a:p>
             <a:fld id="{1D8BD707-D9CF-40AE-B4C6-C98DA3205C09}" type="datetimeFigureOut">
               <a:rPr lang="en-US"/>
-              <a:t>6/1/2022</a:t>
+              <a:t>6/5/2022</a:t>
             </a:fld>
             <a:endParaRPr lang="en-US"/>
           </a:p>
@@ -3100,7 +3100,7 @@
           <a:p>
             <a:fld id="{1D8BD707-D9CF-40AE-B4C6-C98DA3205C09}" type="datetimeFigureOut">
               <a:rPr lang="en-US"/>
-              <a:t>6/1/2022</a:t>
+              <a:t>6/5/2022</a:t>
             </a:fld>
             <a:endParaRPr lang="en-US"/>
           </a:p>
@@ -4110,7 +4110,7 @@
           <a:p>
             <a:fld id="{1D8BD707-D9CF-40AE-B4C6-C98DA3205C09}" type="datetimeFigureOut">
               <a:rPr lang="en-US"/>
-              <a:t>6/1/2022</a:t>
+              <a:t>6/5/2022</a:t>
             </a:fld>
             <a:endParaRPr lang="en-US"/>
           </a:p>
@@ -6662,7 +6662,7 @@
           <p:nvPr/>
         </p:nvPicPr>
         <p:blipFill>
-          <a:blip r:embed="rId6">
+          <a:blip r:embed="rId6" cstate="print">
             <a:extLst>
               <a:ext uri="{28A0092B-C50C-407E-A947-70E740481C1C}">
                 <a14:useLocalDpi xmlns:a14="http://schemas.microsoft.com/office/drawing/2010/main" val="0"/>
@@ -6775,7 +6775,7 @@
           <p:nvPr/>
         </p:nvPicPr>
         <p:blipFill>
-          <a:blip r:embed="rId7">
+          <a:blip r:embed="rId7" cstate="print">
             <a:extLst>
               <a:ext uri="{28A0092B-C50C-407E-A947-70E740481C1C}">
                 <a14:useLocalDpi xmlns:a14="http://schemas.microsoft.com/office/drawing/2010/main" val="0"/>
@@ -7279,6 +7279,21 @@
 </file>
 
 <file path=customXml/item1.xml><?xml version="1.0" encoding="utf-8"?>
+<p:properties xmlns:p="http://schemas.microsoft.com/office/2006/metadata/properties" xmlns:xsi="http://www.w3.org/2001/XMLSchema-instance" xmlns:pc="http://schemas.microsoft.com/office/infopath/2007/PartnerControls">
+  <documentManagement/>
+</p:properties>
+</file>
+
+<file path=customXml/item2.xml><?xml version="1.0" encoding="utf-8"?>
+<?mso-contentType ?>
+<FormTemplates xmlns="http://schemas.microsoft.com/sharepoint/v3/contenttype/forms">
+  <Display>DocumentLibraryForm</Display>
+  <Edit>DocumentLibraryForm</Edit>
+  <New>DocumentLibraryForm</New>
+</FormTemplates>
+</file>
+
+<file path=customXml/item3.xml><?xml version="1.0" encoding="utf-8"?>
 <ct:contentTypeSchema xmlns:ct="http://schemas.microsoft.com/office/2006/metadata/contentType" xmlns:ma="http://schemas.microsoft.com/office/2006/metadata/properties/metaAttributes" ct:_="" ma:_="" ma:contentTypeName="Document" ma:contentTypeID="0x0101001AD610332F3A004E81E5A324FCC0F440" ma:contentTypeVersion="7" ma:contentTypeDescription="Create a new document." ma:contentTypeScope="" ma:versionID="327442869e1cf83389b5458b0fb12e91">
   <xsd:schema xmlns:xsd="http://www.w3.org/2001/XMLSchema" xmlns:xs="http://www.w3.org/2001/XMLSchema" xmlns:p="http://schemas.microsoft.com/office/2006/metadata/properties" xmlns:ns2="d73d37cb-f56e-4a4c-9c76-4f37d91a968d" targetNamespace="http://schemas.microsoft.com/office/2006/metadata/properties" ma:root="true" ma:fieldsID="99ba2cf0ca8fe2369670818979081735" ns2:_="">
     <xsd:import namespace="d73d37cb-f56e-4a4c-9c76-4f37d91a968d"/>
@@ -7442,22 +7457,24 @@
 </ct:contentTypeSchema>
 </file>
 
-<file path=customXml/item2.xml><?xml version="1.0" encoding="utf-8"?>
-<?mso-contentType ?>
-<FormTemplates xmlns="http://schemas.microsoft.com/sharepoint/v3/contenttype/forms">
-  <Display>DocumentLibraryForm</Display>
-  <Edit>DocumentLibraryForm</Edit>
-  <New>DocumentLibraryForm</New>
-</FormTemplates>
+<file path=customXml/itemProps1.xml><?xml version="1.0" encoding="utf-8"?>
+<ds:datastoreItem xmlns:ds="http://schemas.openxmlformats.org/officeDocument/2006/customXml" ds:itemID="{8436E2A3-2E07-4A5A-9088-66518500C22D}">
+  <ds:schemaRefs>
+    <ds:schemaRef ds:uri="http://schemas.microsoft.com/office/2006/metadata/properties"/>
+    <ds:schemaRef ds:uri="http://schemas.microsoft.com/office/infopath/2007/PartnerControls"/>
+  </ds:schemaRefs>
+</ds:datastoreItem>
 </file>
 
-<file path=customXml/item3.xml><?xml version="1.0" encoding="utf-8"?>
-<p:properties xmlns:p="http://schemas.microsoft.com/office/2006/metadata/properties" xmlns:xsi="http://www.w3.org/2001/XMLSchema-instance" xmlns:pc="http://schemas.microsoft.com/office/infopath/2007/PartnerControls">
-  <documentManagement/>
-</p:properties>
+<file path=customXml/itemProps2.xml><?xml version="1.0" encoding="utf-8"?>
+<ds:datastoreItem xmlns:ds="http://schemas.openxmlformats.org/officeDocument/2006/customXml" ds:itemID="{16DE962A-4564-4CA0-BBAC-1D2E4A7A81FD}">
+  <ds:schemaRefs>
+    <ds:schemaRef ds:uri="http://schemas.microsoft.com/sharepoint/v3/contenttype/forms"/>
+  </ds:schemaRefs>
+</ds:datastoreItem>
 </file>
 
-<file path=customXml/itemProps1.xml><?xml version="1.0" encoding="utf-8"?>
+<file path=customXml/itemProps3.xml><?xml version="1.0" encoding="utf-8"?>
 <ds:datastoreItem xmlns:ds="http://schemas.openxmlformats.org/officeDocument/2006/customXml" ds:itemID="{0425A609-A46A-42EE-99A1-9DAEE45F1E95}">
   <ds:schemaRefs>
     <ds:schemaRef ds:uri="http://schemas.microsoft.com/office/2006/metadata/contentType"/>
@@ -7473,21 +7490,4 @@
     <ds:schemaRef ds:uri="http://schemas.microsoft.com/internal/obd"/>
   </ds:schemaRefs>
 </ds:datastoreItem>
-</file>
-
-<file path=customXml/itemProps2.xml><?xml version="1.0" encoding="utf-8"?>
-<ds:datastoreItem xmlns:ds="http://schemas.openxmlformats.org/officeDocument/2006/customXml" ds:itemID="{16DE962A-4564-4CA0-BBAC-1D2E4A7A81FD}">
-  <ds:schemaRefs>
-    <ds:schemaRef ds:uri="http://schemas.microsoft.com/sharepoint/v3/contenttype/forms"/>
-  </ds:schemaRefs>
-</ds:datastoreItem>
-</file>
-
-<file path=customXml/itemProps3.xml><?xml version="1.0" encoding="utf-8"?>
-<ds:datastoreItem xmlns:ds="http://schemas.openxmlformats.org/officeDocument/2006/customXml" ds:itemID="{8436E2A3-2E07-4A5A-9088-66518500C22D}">
-  <ds:schemaRefs>
-    <ds:schemaRef ds:uri="http://schemas.microsoft.com/office/2006/metadata/properties"/>
-    <ds:schemaRef ds:uri="http://schemas.microsoft.com/office/infopath/2007/PartnerControls"/>
-  </ds:schemaRefs>
-</ds:datastoreItem>
 </file>